--- a/实验总结.pptx
+++ b/实验总结.pptx
@@ -162,7 +162,6 @@
   <c:date1904 val="1"/>
   <c:lang val="zh-CN"/>
   <c:roundedCorners val="1"/>
-  <c:style val="2"/>
   <c:chart>
     <c:autoTitleDeleted val="1"/>
     <c:plotArea>
@@ -172,9 +171,9 @@
           <c:xMode val="edge"/>
           <c:yMode val="edge"/>
           <c:x val="0.104543450264565"/>
-          <c:y val="6.9376208194176892E-2"/>
-          <c:w val="0.78096593172778084"/>
-          <c:h val="0.80871695667879262"/>
+          <c:y val="6.9376208194176905E-2"/>
+          <c:w val="0.78096593172778073"/>
+          <c:h val="0.80871695667879273"/>
         </c:manualLayout>
       </c:layout>
       <c:barChart>
@@ -1375,12 +1374,11 @@
           <c:showBubbleSize val="1"/>
           <c:separator>,</c:separator>
         </c:dLbls>
-        <c:gapWidth val="150"/>
-        <c:axId val="134585344"/>
-        <c:axId val="51511296"/>
+        <c:axId val="133519232"/>
+        <c:axId val="133520768"/>
       </c:barChart>
       <c:catAx>
-        <c:axId val="134585344"/>
+        <c:axId val="133519232"/>
         <c:scaling>
           <c:orientation val="minMax"/>
         </c:scaling>
@@ -1390,7 +1388,7 @@
         <c:majorTickMark val="cross"/>
         <c:minorTickMark val="cross"/>
         <c:tickLblPos val="nextTo"/>
-        <c:crossAx val="51511296"/>
+        <c:crossAx val="133520768"/>
         <c:crosses val="autoZero"/>
         <c:auto val="1"/>
         <c:lblAlgn val="ctr"/>
@@ -1398,7 +1396,7 @@
         <c:noMultiLvlLbl val="1"/>
       </c:catAx>
       <c:valAx>
-        <c:axId val="51511296"/>
+        <c:axId val="133520768"/>
         <c:scaling>
           <c:orientation val="minMax"/>
         </c:scaling>
@@ -1418,7 +1416,7 @@
         <c:majorTickMark val="cross"/>
         <c:minorTickMark val="cross"/>
         <c:tickLblPos val="nextTo"/>
-        <c:crossAx val="134585344"/>
+        <c:crossAx val="133519232"/>
         <c:crosses val="autoZero"/>
         <c:crossBetween val="between"/>
       </c:valAx>
@@ -1494,6 +1492,125 @@
         </c:txPr>
       </c:legendEntry>
       <c:legendEntry>
+        <c:idx val="8"/>
+        <c:txPr>
+          <a:bodyPr/>
+          <a:lstStyle/>
+          <a:p>
+            <a:pPr>
+              <a:defRPr sz="1000" b="0" i="0" u="none" strike="noStrike">
+                <a:solidFill>
+                  <a:srgbClr val="000000"/>
+                </a:solidFill>
+              </a:defRPr>
+            </a:pPr>
+            <a:endParaRPr lang="zh-CN"/>
+          </a:p>
+        </c:txPr>
+      </c:legendEntry>
+      <c:legendEntry>
+        <c:idx val="9"/>
+        <c:txPr>
+          <a:bodyPr/>
+          <a:lstStyle/>
+          <a:p>
+            <a:pPr>
+              <a:defRPr sz="1000" b="0" i="0" u="none" strike="noStrike">
+                <a:solidFill>
+                  <a:srgbClr val="000000"/>
+                </a:solidFill>
+              </a:defRPr>
+            </a:pPr>
+            <a:endParaRPr lang="zh-CN"/>
+          </a:p>
+        </c:txPr>
+      </c:legendEntry>
+      <c:legendEntry>
+        <c:idx val="10"/>
+        <c:txPr>
+          <a:bodyPr/>
+          <a:lstStyle/>
+          <a:p>
+            <a:pPr>
+              <a:defRPr sz="1000" b="0" i="0" u="none" strike="noStrike">
+                <a:solidFill>
+                  <a:srgbClr val="000000"/>
+                </a:solidFill>
+              </a:defRPr>
+            </a:pPr>
+            <a:endParaRPr lang="zh-CN"/>
+          </a:p>
+        </c:txPr>
+      </c:legendEntry>
+      <c:legendEntry>
+        <c:idx val="11"/>
+        <c:txPr>
+          <a:bodyPr/>
+          <a:lstStyle/>
+          <a:p>
+            <a:pPr>
+              <a:defRPr sz="1000" b="0" i="0" u="none" strike="noStrike">
+                <a:solidFill>
+                  <a:srgbClr val="000000"/>
+                </a:solidFill>
+              </a:defRPr>
+            </a:pPr>
+            <a:endParaRPr lang="zh-CN"/>
+          </a:p>
+        </c:txPr>
+      </c:legendEntry>
+      <c:legendEntry>
+        <c:idx val="12"/>
+        <c:txPr>
+          <a:bodyPr/>
+          <a:lstStyle/>
+          <a:p>
+            <a:pPr>
+              <a:defRPr sz="1000" b="0" i="0" u="none" strike="noStrike">
+                <a:solidFill>
+                  <a:srgbClr val="000000"/>
+                </a:solidFill>
+              </a:defRPr>
+            </a:pPr>
+            <a:endParaRPr lang="zh-CN"/>
+          </a:p>
+        </c:txPr>
+      </c:legendEntry>
+      <c:legendEntry>
+        <c:idx val="13"/>
+        <c:txPr>
+          <a:bodyPr/>
+          <a:lstStyle/>
+          <a:p>
+            <a:pPr>
+              <a:defRPr sz="1000" b="0" i="0" u="none" strike="noStrike">
+                <a:solidFill>
+                  <a:srgbClr val="000000"/>
+                </a:solidFill>
+              </a:defRPr>
+            </a:pPr>
+            <a:endParaRPr lang="zh-CN"/>
+          </a:p>
+        </c:txPr>
+      </c:legendEntry>
+      <c:legendEntry>
+        <c:idx val="14"/>
+        <c:txPr>
+          <a:bodyPr/>
+          <a:lstStyle/>
+          <a:p>
+            <a:pPr>
+              <a:defRPr sz="1000" b="0" i="0" u="none" strike="noStrike">
+                <a:solidFill>
+                  <a:srgbClr val="000000"/>
+                </a:solidFill>
+              </a:defRPr>
+            </a:pPr>
+            <a:endParaRPr lang="zh-CN"/>
+          </a:p>
+        </c:txPr>
+      </c:legendEntry>
+      <c:legendEntry>
         <c:idx val="4"/>
         <c:txPr>
           <a:bodyPr/>
@@ -1546,125 +1663,6 @@
       </c:legendEntry>
       <c:legendEntry>
         <c:idx val="7"/>
-        <c:txPr>
-          <a:bodyPr/>
-          <a:lstStyle/>
-          <a:p>
-            <a:pPr>
-              <a:defRPr sz="1000" b="0" i="0" u="none" strike="noStrike">
-                <a:solidFill>
-                  <a:srgbClr val="000000"/>
-                </a:solidFill>
-              </a:defRPr>
-            </a:pPr>
-            <a:endParaRPr lang="zh-CN"/>
-          </a:p>
-        </c:txPr>
-      </c:legendEntry>
-      <c:legendEntry>
-        <c:idx val="8"/>
-        <c:txPr>
-          <a:bodyPr/>
-          <a:lstStyle/>
-          <a:p>
-            <a:pPr>
-              <a:defRPr sz="1000" b="0" i="0" u="none" strike="noStrike">
-                <a:solidFill>
-                  <a:srgbClr val="000000"/>
-                </a:solidFill>
-              </a:defRPr>
-            </a:pPr>
-            <a:endParaRPr lang="zh-CN"/>
-          </a:p>
-        </c:txPr>
-      </c:legendEntry>
-      <c:legendEntry>
-        <c:idx val="9"/>
-        <c:txPr>
-          <a:bodyPr/>
-          <a:lstStyle/>
-          <a:p>
-            <a:pPr>
-              <a:defRPr sz="1000" b="0" i="0" u="none" strike="noStrike">
-                <a:solidFill>
-                  <a:srgbClr val="000000"/>
-                </a:solidFill>
-              </a:defRPr>
-            </a:pPr>
-            <a:endParaRPr lang="zh-CN"/>
-          </a:p>
-        </c:txPr>
-      </c:legendEntry>
-      <c:legendEntry>
-        <c:idx val="10"/>
-        <c:txPr>
-          <a:bodyPr/>
-          <a:lstStyle/>
-          <a:p>
-            <a:pPr>
-              <a:defRPr sz="1000" b="0" i="0" u="none" strike="noStrike">
-                <a:solidFill>
-                  <a:srgbClr val="000000"/>
-                </a:solidFill>
-              </a:defRPr>
-            </a:pPr>
-            <a:endParaRPr lang="zh-CN"/>
-          </a:p>
-        </c:txPr>
-      </c:legendEntry>
-      <c:legendEntry>
-        <c:idx val="11"/>
-        <c:txPr>
-          <a:bodyPr/>
-          <a:lstStyle/>
-          <a:p>
-            <a:pPr>
-              <a:defRPr sz="1000" b="0" i="0" u="none" strike="noStrike">
-                <a:solidFill>
-                  <a:srgbClr val="000000"/>
-                </a:solidFill>
-              </a:defRPr>
-            </a:pPr>
-            <a:endParaRPr lang="zh-CN"/>
-          </a:p>
-        </c:txPr>
-      </c:legendEntry>
-      <c:legendEntry>
-        <c:idx val="12"/>
-        <c:txPr>
-          <a:bodyPr/>
-          <a:lstStyle/>
-          <a:p>
-            <a:pPr>
-              <a:defRPr sz="1000" b="0" i="0" u="none" strike="noStrike">
-                <a:solidFill>
-                  <a:srgbClr val="000000"/>
-                </a:solidFill>
-              </a:defRPr>
-            </a:pPr>
-            <a:endParaRPr lang="zh-CN"/>
-          </a:p>
-        </c:txPr>
-      </c:legendEntry>
-      <c:legendEntry>
-        <c:idx val="13"/>
-        <c:txPr>
-          <a:bodyPr/>
-          <a:lstStyle/>
-          <a:p>
-            <a:pPr>
-              <a:defRPr sz="1000" b="0" i="0" u="none" strike="noStrike">
-                <a:solidFill>
-                  <a:srgbClr val="000000"/>
-                </a:solidFill>
-              </a:defRPr>
-            </a:pPr>
-            <a:endParaRPr lang="zh-CN"/>
-          </a:p>
-        </c:txPr>
-      </c:legendEntry>
-      <c:legendEntry>
-        <c:idx val="14"/>
         <c:txPr>
           <a:bodyPr/>
           <a:lstStyle/>
@@ -1982,7 +1980,7 @@
     </p:spTree>
     <p:extLst>
       <p:ext uri="{BB962C8B-B14F-4D97-AF65-F5344CB8AC3E}">
-        <p14:creationId xmlns:p14="http://schemas.microsoft.com/office/powerpoint/2010/main" val="668590893"/>
+        <p14:creationId xmlns:p14="http://schemas.microsoft.com/office/powerpoint/2010/main" xmlns="" val="668590893"/>
       </p:ext>
     </p:extLst>
   </p:cSld>
@@ -9070,31 +9068,15 @@
                   <a:srgbClr val="346CA9"/>
                 </a:solidFill>
               </a:rPr>
-              <a:t>三</a:t>
-            </a:r>
-            <a:r>
-              <a:rPr lang="zh-CN" altLang="en-US" sz="3200" dirty="0">
+              <a:t>三、</a:t>
+            </a:r>
+            <a:r>
+              <a:rPr lang="zh-CN" altLang="en-US" sz="3200" dirty="0" smtClean="0">
                 <a:solidFill>
                   <a:srgbClr val="346CA9"/>
                 </a:solidFill>
               </a:rPr>
-              <a:t>、</a:t>
-            </a:r>
-            <a:r>
-              <a:rPr lang="zh-CN" altLang="en-US" sz="3200" dirty="0" smtClean="0">
-                <a:solidFill>
-                  <a:srgbClr val="346CA9"/>
-                </a:solidFill>
-              </a:rPr>
-              <a:t>自适应的文件分布</a:t>
-            </a:r>
-            <a:r>
-              <a:rPr lang="zh-CN" altLang="en-US" sz="3200" dirty="0" smtClean="0">
-                <a:solidFill>
-                  <a:srgbClr val="346CA9"/>
-                </a:solidFill>
-              </a:rPr>
-              <a:t>策略</a:t>
+              <a:t>自适应的文件分布策略</a:t>
             </a:r>
             <a:endParaRPr lang="en-US" altLang="zh-CN" sz="3200" dirty="0" smtClean="0">
               <a:solidFill>
@@ -9730,7 +9712,7 @@
     </p:spTree>
     <p:extLst>
       <p:ext uri="{BB962C8B-B14F-4D97-AF65-F5344CB8AC3E}">
-        <p14:creationId xmlns:p14="http://schemas.microsoft.com/office/powerpoint/2010/main" val="1121286318"/>
+        <p14:creationId xmlns:p14="http://schemas.microsoft.com/office/powerpoint/2010/main" xmlns="" val="1121286318"/>
       </p:ext>
     </p:extLst>
   </p:cSld>
@@ -10407,7 +10389,7 @@
     </p:spTree>
     <p:extLst>
       <p:ext uri="{BB962C8B-B14F-4D97-AF65-F5344CB8AC3E}">
-        <p14:creationId xmlns:p14="http://schemas.microsoft.com/office/powerpoint/2010/main" val="1121286318"/>
+        <p14:creationId xmlns:p14="http://schemas.microsoft.com/office/powerpoint/2010/main" xmlns="" val="1121286318"/>
       </p:ext>
     </p:extLst>
   </p:cSld>
@@ -10554,11 +10536,6 @@
               </a:rPr>
               <a:t>四、测试</a:t>
             </a:r>
-            <a:endParaRPr lang="zh-CN" altLang="en-US" sz="3600" dirty="0" smtClean="0">
-              <a:solidFill>
-                <a:srgbClr val="346CA9"/>
-              </a:solidFill>
-            </a:endParaRPr>
           </a:p>
         </p:txBody>
       </p:sp>
@@ -10713,7 +10690,7 @@
           <a:blip r:embed="rId3">
             <a:extLst>
               <a:ext uri="{28A0092B-C50C-407E-A947-70E740481C1C}">
-                <a14:useLocalDpi xmlns:a14="http://schemas.microsoft.com/office/drawing/2010/main" val="0"/>
+                <a14:useLocalDpi xmlns:a14="http://schemas.microsoft.com/office/drawing/2010/main" xmlns="" val="0"/>
               </a:ext>
             </a:extLst>
           </a:blip>
@@ -10736,14 +10713,14 @@
           </a:ln>
           <a:extLst>
             <a:ext uri="{909E8E84-426E-40DD-AFC4-6F175D3DCCD1}">
-              <a14:hiddenFill xmlns:a14="http://schemas.microsoft.com/office/drawing/2010/main">
+              <a14:hiddenFill xmlns:a14="http://schemas.microsoft.com/office/drawing/2010/main" xmlns="">
                 <a:solidFill>
                   <a:srgbClr val="FFFFFF"/>
                 </a:solidFill>
               </a14:hiddenFill>
             </a:ext>
             <a:ext uri="{91240B29-F687-4F45-9708-019B960494DF}">
-              <a14:hiddenLine xmlns:a14="http://schemas.microsoft.com/office/drawing/2010/main" w="9525">
+              <a14:hiddenLine xmlns:a14="http://schemas.microsoft.com/office/drawing/2010/main" xmlns="" w="9525">
                 <a:solidFill>
                   <a:srgbClr val="000000"/>
                 </a:solidFill>
@@ -10926,11 +10903,6 @@
               </a:rPr>
               <a:t>四、测试</a:t>
             </a:r>
-            <a:endParaRPr lang="zh-CN" altLang="en-US" sz="3600" dirty="0" smtClean="0">
-              <a:solidFill>
-                <a:srgbClr val="346CA9"/>
-              </a:solidFill>
-            </a:endParaRPr>
           </a:p>
         </p:txBody>
       </p:sp>
@@ -11114,7 +11086,7 @@
           <a:blip r:embed="rId3">
             <a:extLst>
               <a:ext uri="{28A0092B-C50C-407E-A947-70E740481C1C}">
-                <a14:useLocalDpi xmlns:a14="http://schemas.microsoft.com/office/drawing/2010/main" val="0"/>
+                <a14:useLocalDpi xmlns:a14="http://schemas.microsoft.com/office/drawing/2010/main" xmlns="" val="0"/>
               </a:ext>
             </a:extLst>
           </a:blip>
@@ -11138,14 +11110,14 @@
           <a:effectLst/>
           <a:extLst>
             <a:ext uri="{909E8E84-426E-40DD-AFC4-6F175D3DCCD1}">
-              <a14:hiddenFill xmlns:a14="http://schemas.microsoft.com/office/drawing/2010/main">
+              <a14:hiddenFill xmlns:a14="http://schemas.microsoft.com/office/drawing/2010/main" xmlns="">
                 <a:solidFill>
                   <a:srgbClr val="FFFFFF"/>
                 </a:solidFill>
               </a14:hiddenFill>
             </a:ext>
             <a:ext uri="{91240B29-F687-4F45-9708-019B960494DF}">
-              <a14:hiddenLine xmlns:a14="http://schemas.microsoft.com/office/drawing/2010/main" w="9525">
+              <a14:hiddenLine xmlns:a14="http://schemas.microsoft.com/office/drawing/2010/main" xmlns="" w="9525">
                 <a:solidFill>
                   <a:srgbClr val="000000"/>
                 </a:solidFill>
@@ -11155,7 +11127,7 @@
               </a14:hiddenLine>
             </a:ext>
             <a:ext uri="{AF507438-7753-43E0-B8FC-AC1667EBCBE1}">
-              <a14:hiddenEffects xmlns:a14="http://schemas.microsoft.com/office/drawing/2010/main">
+              <a14:hiddenEffects xmlns:a14="http://schemas.microsoft.com/office/drawing/2010/main" xmlns="">
                 <a:effectLst>
                   <a:outerShdw dist="80322" dir="9693903" algn="ctr" rotWithShape="0">
                     <a:srgbClr val="808080"/>
@@ -11169,7 +11141,7 @@
     </p:spTree>
     <p:extLst>
       <p:ext uri="{BB962C8B-B14F-4D97-AF65-F5344CB8AC3E}">
-        <p14:creationId xmlns:p14="http://schemas.microsoft.com/office/powerpoint/2010/main" val="2808083908"/>
+        <p14:creationId xmlns:p14="http://schemas.microsoft.com/office/powerpoint/2010/main" xmlns="" val="2808083908"/>
       </p:ext>
     </p:extLst>
   </p:cSld>
@@ -11307,15 +11279,7 @@
                   <a:srgbClr val="346CA9"/>
                 </a:solidFill>
               </a:rPr>
-              <a:t>一、</a:t>
-            </a:r>
-            <a:r>
-              <a:rPr lang="zh-CN" altLang="en-US" sz="3600" dirty="0" smtClean="0">
-                <a:solidFill>
-                  <a:srgbClr val="346CA9"/>
-                </a:solidFill>
-              </a:rPr>
-              <a:t>前期工作</a:t>
+              <a:t>一、前期工作</a:t>
             </a:r>
           </a:p>
         </p:txBody>
@@ -16511,15 +16475,7 @@
                   <a:srgbClr val="346CA9"/>
                 </a:solidFill>
               </a:rPr>
-              <a:t>一、</a:t>
-            </a:r>
-            <a:r>
-              <a:rPr lang="zh-CN" altLang="en-US" sz="3600" dirty="0" smtClean="0">
-                <a:solidFill>
-                  <a:srgbClr val="346CA9"/>
-                </a:solidFill>
-              </a:rPr>
-              <a:t>前期工作</a:t>
+              <a:t>一、前期工作</a:t>
             </a:r>
           </a:p>
         </p:txBody>
@@ -19164,7 +19120,7 @@
     </p:spTree>
     <p:extLst>
       <p:ext uri="{BB962C8B-B14F-4D97-AF65-F5344CB8AC3E}">
-        <p14:creationId xmlns:p14="http://schemas.microsoft.com/office/powerpoint/2010/main" val="1777934953"/>
+        <p14:creationId xmlns:p14="http://schemas.microsoft.com/office/powerpoint/2010/main" xmlns="" val="1777934953"/>
       </p:ext>
     </p:extLst>
   </p:cSld>
@@ -19444,7 +19400,7 @@
           <a:blip r:embed="rId3">
             <a:extLst>
               <a:ext uri="{28A0092B-C50C-407E-A947-70E740481C1C}">
-                <a14:useLocalDpi xmlns:a14="http://schemas.microsoft.com/office/drawing/2010/main" val="0"/>
+                <a14:useLocalDpi xmlns:a14="http://schemas.microsoft.com/office/drawing/2010/main" xmlns="" val="0"/>
               </a:ext>
             </a:extLst>
           </a:blip>
@@ -19468,14 +19424,14 @@
           <a:effectLst/>
           <a:extLst>
             <a:ext uri="{909E8E84-426E-40DD-AFC4-6F175D3DCCD1}">
-              <a14:hiddenFill xmlns:a14="http://schemas.microsoft.com/office/drawing/2010/main">
+              <a14:hiddenFill xmlns:a14="http://schemas.microsoft.com/office/drawing/2010/main" xmlns="">
                 <a:solidFill>
                   <a:srgbClr val="FFFFFF"/>
                 </a:solidFill>
               </a14:hiddenFill>
             </a:ext>
             <a:ext uri="{91240B29-F687-4F45-9708-019B960494DF}">
-              <a14:hiddenLine xmlns:a14="http://schemas.microsoft.com/office/drawing/2010/main" w="9525">
+              <a14:hiddenLine xmlns:a14="http://schemas.microsoft.com/office/drawing/2010/main" xmlns="" w="9525">
                 <a:solidFill>
                   <a:srgbClr val="000000"/>
                 </a:solidFill>
@@ -19485,7 +19441,7 @@
               </a14:hiddenLine>
             </a:ext>
             <a:ext uri="{AF507438-7753-43E0-B8FC-AC1667EBCBE1}">
-              <a14:hiddenEffects xmlns:a14="http://schemas.microsoft.com/office/drawing/2010/main">
+              <a14:hiddenEffects xmlns:a14="http://schemas.microsoft.com/office/drawing/2010/main" xmlns="">
                 <a:effectLst>
                   <a:outerShdw dist="35921" dir="2700000" algn="ctr" rotWithShape="0">
                     <a:srgbClr val="808080"/>
@@ -19532,7 +19488,7 @@
     </p:spTree>
     <p:extLst>
       <p:ext uri="{BB962C8B-B14F-4D97-AF65-F5344CB8AC3E}">
-        <p14:creationId xmlns:p14="http://schemas.microsoft.com/office/powerpoint/2010/main" val="2750785696"/>
+        <p14:creationId xmlns:p14="http://schemas.microsoft.com/office/powerpoint/2010/main" xmlns="" val="2750785696"/>
       </p:ext>
     </p:extLst>
   </p:cSld>
@@ -19695,11 +19651,6 @@
               </a:rPr>
               <a:t>写过程</a:t>
             </a:r>
-            <a:endParaRPr lang="zh-CN" altLang="en-US" sz="4000" dirty="0" smtClean="0">
-              <a:solidFill>
-                <a:srgbClr val="346CA9"/>
-              </a:solidFill>
-            </a:endParaRPr>
           </a:p>
         </p:txBody>
       </p:sp>
@@ -19811,7 +19762,7 @@
           <a:blip r:embed="rId3">
             <a:extLst>
               <a:ext uri="{28A0092B-C50C-407E-A947-70E740481C1C}">
-                <a14:useLocalDpi xmlns:a14="http://schemas.microsoft.com/office/drawing/2010/main" val="0"/>
+                <a14:useLocalDpi xmlns:a14="http://schemas.microsoft.com/office/drawing/2010/main" xmlns="" val="0"/>
               </a:ext>
             </a:extLst>
           </a:blip>
@@ -19831,7 +19782,7 @@
           <a:noFill/>
           <a:extLst>
             <a:ext uri="{909E8E84-426E-40DD-AFC4-6F175D3DCCD1}">
-              <a14:hiddenFill xmlns:a14="http://schemas.microsoft.com/office/drawing/2010/main">
+              <a14:hiddenFill xmlns:a14="http://schemas.microsoft.com/office/drawing/2010/main" xmlns="">
                 <a:solidFill>
                   <a:srgbClr val="FFFFFF"/>
                 </a:solidFill>
@@ -19843,7 +19794,7 @@
     </p:spTree>
     <p:extLst>
       <p:ext uri="{BB962C8B-B14F-4D97-AF65-F5344CB8AC3E}">
-        <p14:creationId xmlns:p14="http://schemas.microsoft.com/office/powerpoint/2010/main" val="4222586664"/>
+        <p14:creationId xmlns:p14="http://schemas.microsoft.com/office/powerpoint/2010/main" xmlns="" val="4222586664"/>
       </p:ext>
     </p:extLst>
   </p:cSld>
@@ -19988,15 +19939,7 @@
                   <a:srgbClr val="346CA9"/>
                 </a:solidFill>
               </a:rPr>
-              <a:t>三、自</a:t>
-            </a:r>
-            <a:r>
-              <a:rPr lang="zh-CN" altLang="en-US" sz="3600" dirty="0" smtClean="0">
-                <a:solidFill>
-                  <a:srgbClr val="346CA9"/>
-                </a:solidFill>
-              </a:rPr>
-              <a:t>适应的文件分布策略</a:t>
+              <a:t>三、自适应的文件分布策略</a:t>
             </a:r>
           </a:p>
         </p:txBody>
@@ -23700,7 +23643,7 @@
     </p:spTree>
     <p:extLst>
       <p:ext uri="{BB962C8B-B14F-4D97-AF65-F5344CB8AC3E}">
-        <p14:creationId xmlns:p14="http://schemas.microsoft.com/office/powerpoint/2010/main" val="345648516"/>
+        <p14:creationId xmlns:p14="http://schemas.microsoft.com/office/powerpoint/2010/main" xmlns="" val="345648516"/>
       </p:ext>
     </p:extLst>
   </p:cSld>
@@ -24410,7 +24353,7 @@
     </p:spTree>
     <p:extLst>
       <p:ext uri="{BB962C8B-B14F-4D97-AF65-F5344CB8AC3E}">
-        <p14:creationId xmlns:p14="http://schemas.microsoft.com/office/powerpoint/2010/main" val="1121286318"/>
+        <p14:creationId xmlns:p14="http://schemas.microsoft.com/office/powerpoint/2010/main" xmlns="" val="1121286318"/>
       </p:ext>
     </p:extLst>
   </p:cSld>
